--- a/manuscript/supplementary/sugar-tree-figure/sugar_tree_figure.pptx
+++ b/manuscript/supplementary/sugar-tree-figure/sugar_tree_figure.pptx
@@ -5,13 +5,15 @@
     <p:sldMasterId id="2147483672" r:id="rId1"/>
   </p:sldMasterIdLst>
   <p:notesMasterIdLst>
-    <p:notesMasterId r:id="rId6"/>
+    <p:notesMasterId r:id="rId8"/>
   </p:notesMasterIdLst>
   <p:sldIdLst>
     <p:sldId id="264" r:id="rId2"/>
     <p:sldId id="266" r:id="rId3"/>
     <p:sldId id="263" r:id="rId4"/>
     <p:sldId id="267" r:id="rId5"/>
+    <p:sldId id="268" r:id="rId6"/>
+    <p:sldId id="269" r:id="rId7"/>
   </p:sldIdLst>
   <p:sldSz cx="6858000" cy="9906000" type="A4"/>
   <p:notesSz cx="6858000" cy="9144000"/>
@@ -211,7 +213,7 @@
           <a:p>
             <a:fld id="{C5C0C07E-0478-BA42-96DB-AE990645EBF1}" type="datetimeFigureOut">
               <a:rPr lang="en-DK" smtClean="0"/>
-              <a:t>06/09/2023</a:t>
+              <a:t>07/09/2023</a:t>
             </a:fld>
             <a:endParaRPr lang="en-DK"/>
           </a:p>
@@ -862,7 +864,7 @@
           <a:p>
             <a:fld id="{55CA3CE0-04AB-AF48-A022-B708D6394483}" type="datetimeFigureOut">
               <a:rPr lang="en-DK" smtClean="0"/>
-              <a:t>06/09/2023</a:t>
+              <a:t>07/09/2023</a:t>
             </a:fld>
             <a:endParaRPr lang="en-DK"/>
           </a:p>
@@ -1032,7 +1034,7 @@
           <a:p>
             <a:fld id="{55CA3CE0-04AB-AF48-A022-B708D6394483}" type="datetimeFigureOut">
               <a:rPr lang="en-DK" smtClean="0"/>
-              <a:t>06/09/2023</a:t>
+              <a:t>07/09/2023</a:t>
             </a:fld>
             <a:endParaRPr lang="en-DK"/>
           </a:p>
@@ -1212,7 +1214,7 @@
           <a:p>
             <a:fld id="{55CA3CE0-04AB-AF48-A022-B708D6394483}" type="datetimeFigureOut">
               <a:rPr lang="en-DK" smtClean="0"/>
-              <a:t>06/09/2023</a:t>
+              <a:t>07/09/2023</a:t>
             </a:fld>
             <a:endParaRPr lang="en-DK"/>
           </a:p>
@@ -1382,7 +1384,7 @@
           <a:p>
             <a:fld id="{55CA3CE0-04AB-AF48-A022-B708D6394483}" type="datetimeFigureOut">
               <a:rPr lang="en-DK" smtClean="0"/>
-              <a:t>06/09/2023</a:t>
+              <a:t>07/09/2023</a:t>
             </a:fld>
             <a:endParaRPr lang="en-DK"/>
           </a:p>
@@ -1626,7 +1628,7 @@
           <a:p>
             <a:fld id="{55CA3CE0-04AB-AF48-A022-B708D6394483}" type="datetimeFigureOut">
               <a:rPr lang="en-DK" smtClean="0"/>
-              <a:t>06/09/2023</a:t>
+              <a:t>07/09/2023</a:t>
             </a:fld>
             <a:endParaRPr lang="en-DK"/>
           </a:p>
@@ -1858,7 +1860,7 @@
           <a:p>
             <a:fld id="{55CA3CE0-04AB-AF48-A022-B708D6394483}" type="datetimeFigureOut">
               <a:rPr lang="en-DK" smtClean="0"/>
-              <a:t>06/09/2023</a:t>
+              <a:t>07/09/2023</a:t>
             </a:fld>
             <a:endParaRPr lang="en-DK"/>
           </a:p>
@@ -2225,7 +2227,7 @@
           <a:p>
             <a:fld id="{55CA3CE0-04AB-AF48-A022-B708D6394483}" type="datetimeFigureOut">
               <a:rPr lang="en-DK" smtClean="0"/>
-              <a:t>06/09/2023</a:t>
+              <a:t>07/09/2023</a:t>
             </a:fld>
             <a:endParaRPr lang="en-DK"/>
           </a:p>
@@ -2343,7 +2345,7 @@
           <a:p>
             <a:fld id="{55CA3CE0-04AB-AF48-A022-B708D6394483}" type="datetimeFigureOut">
               <a:rPr lang="en-DK" smtClean="0"/>
-              <a:t>06/09/2023</a:t>
+              <a:t>07/09/2023</a:t>
             </a:fld>
             <a:endParaRPr lang="en-DK"/>
           </a:p>
@@ -2438,7 +2440,7 @@
           <a:p>
             <a:fld id="{55CA3CE0-04AB-AF48-A022-B708D6394483}" type="datetimeFigureOut">
               <a:rPr lang="en-DK" smtClean="0"/>
-              <a:t>06/09/2023</a:t>
+              <a:t>07/09/2023</a:t>
             </a:fld>
             <a:endParaRPr lang="en-DK"/>
           </a:p>
@@ -2715,7 +2717,7 @@
           <a:p>
             <a:fld id="{55CA3CE0-04AB-AF48-A022-B708D6394483}" type="datetimeFigureOut">
               <a:rPr lang="en-DK" smtClean="0"/>
-              <a:t>06/09/2023</a:t>
+              <a:t>07/09/2023</a:t>
             </a:fld>
             <a:endParaRPr lang="en-DK"/>
           </a:p>
@@ -2972,7 +2974,7 @@
           <a:p>
             <a:fld id="{55CA3CE0-04AB-AF48-A022-B708D6394483}" type="datetimeFigureOut">
               <a:rPr lang="en-DK" smtClean="0"/>
-              <a:t>06/09/2023</a:t>
+              <a:t>07/09/2023</a:t>
             </a:fld>
             <a:endParaRPr lang="en-DK"/>
           </a:p>
@@ -3185,7 +3187,7 @@
           <a:p>
             <a:fld id="{55CA3CE0-04AB-AF48-A022-B708D6394483}" type="datetimeFigureOut">
               <a:rPr lang="en-DK" smtClean="0"/>
-              <a:t>06/09/2023</a:t>
+              <a:t>07/09/2023</a:t>
             </a:fld>
             <a:endParaRPr lang="en-DK"/>
           </a:p>
@@ -4669,16 +4671,15 @@
           </p:cNvPicPr>
           <p:nvPr/>
         </p:nvPicPr>
-        <p:blipFill>
+        <p:blipFill rotWithShape="1">
           <a:blip r:embed="rId2"/>
-          <a:stretch>
-            <a:fillRect/>
-          </a:stretch>
+          <a:srcRect l="12326" t="9266" r="32119" b="11226"/>
+          <a:stretch/>
         </p:blipFill>
         <p:spPr>
           <a:xfrm>
-            <a:off x="0" y="3005666"/>
-            <a:ext cx="6858000" cy="3894667"/>
+            <a:off x="1532942" y="2070848"/>
+            <a:ext cx="3810023" cy="3096548"/>
           </a:xfrm>
           <a:prstGeom prst="rect">
             <a:avLst/>
@@ -4699,16 +4700,15 @@
           </p:cNvPicPr>
           <p:nvPr/>
         </p:nvPicPr>
-        <p:blipFill>
+        <p:blipFill rotWithShape="1">
           <a:blip r:embed="rId3"/>
-          <a:stretch>
-            <a:fillRect/>
-          </a:stretch>
+          <a:srcRect l="32810" t="11098" r="36732" b="5807"/>
+          <a:stretch/>
         </p:blipFill>
         <p:spPr>
           <a:xfrm>
-            <a:off x="0" y="3005666"/>
-            <a:ext cx="6858000" cy="3894667"/>
+            <a:off x="1848767" y="2731569"/>
+            <a:ext cx="2088778" cy="3236259"/>
           </a:xfrm>
           <a:prstGeom prst="rect">
             <a:avLst/>
@@ -4729,16 +4729,15 @@
           </p:cNvPicPr>
           <p:nvPr/>
         </p:nvPicPr>
-        <p:blipFill>
+        <p:blipFill rotWithShape="1">
           <a:blip r:embed="rId4"/>
-          <a:stretch>
-            <a:fillRect/>
-          </a:stretch>
+          <a:srcRect l="20523" t="18409" r="32751" b="13227"/>
+          <a:stretch/>
         </p:blipFill>
         <p:spPr>
           <a:xfrm>
-            <a:off x="0" y="3005666"/>
-            <a:ext cx="6858000" cy="3894667"/>
+            <a:off x="432500" y="1956745"/>
+            <a:ext cx="3204484" cy="2662518"/>
           </a:xfrm>
           <a:prstGeom prst="rect">
             <a:avLst/>
@@ -4759,16 +4758,15 @@
           </p:cNvPicPr>
           <p:nvPr/>
         </p:nvPicPr>
-        <p:blipFill>
+        <p:blipFill rotWithShape="1">
           <a:blip r:embed="rId5"/>
-          <a:stretch>
-            <a:fillRect/>
-          </a:stretch>
+          <a:srcRect l="81379" t="52565"/>
+          <a:stretch/>
         </p:blipFill>
         <p:spPr>
           <a:xfrm>
-            <a:off x="0" y="1688969"/>
-            <a:ext cx="6858000" cy="6528062"/>
+            <a:off x="2383517" y="1421939"/>
+            <a:ext cx="1277007" cy="3096547"/>
           </a:xfrm>
           <a:prstGeom prst="rect">
             <a:avLst/>
@@ -4789,16 +4787,15 @@
           </p:cNvPicPr>
           <p:nvPr/>
         </p:nvPicPr>
-        <p:blipFill>
+        <p:blipFill rotWithShape="1">
           <a:blip r:embed="rId6"/>
-          <a:stretch>
-            <a:fillRect/>
-          </a:stretch>
+          <a:srcRect l="20523" t="7763" r="35948" b="3504"/>
+          <a:stretch/>
         </p:blipFill>
         <p:spPr>
           <a:xfrm>
-            <a:off x="0" y="3005666"/>
-            <a:ext cx="6858000" cy="3894667"/>
+            <a:off x="674487" y="1552605"/>
+            <a:ext cx="2985248" cy="3455894"/>
           </a:xfrm>
           <a:prstGeom prst="rect">
             <a:avLst/>
@@ -4819,16 +4816,15 @@
           </p:cNvPicPr>
           <p:nvPr/>
         </p:nvPicPr>
-        <p:blipFill>
+        <p:blipFill rotWithShape="1">
           <a:blip r:embed="rId7"/>
-          <a:stretch>
-            <a:fillRect/>
-          </a:stretch>
+          <a:srcRect l="31634" t="7072" r="39477" b="6329"/>
+          <a:stretch/>
         </p:blipFill>
         <p:spPr>
           <a:xfrm>
-            <a:off x="0" y="3005666"/>
-            <a:ext cx="6858000" cy="3894667"/>
+            <a:off x="5532346" y="925924"/>
+            <a:ext cx="1981200" cy="3372754"/>
           </a:xfrm>
           <a:prstGeom prst="rect">
             <a:avLst/>
@@ -4849,16 +4845,15 @@
           </p:cNvPicPr>
           <p:nvPr/>
         </p:nvPicPr>
-        <p:blipFill>
+        <p:blipFill rotWithShape="1">
           <a:blip r:embed="rId8"/>
-          <a:stretch>
-            <a:fillRect/>
-          </a:stretch>
+          <a:srcRect l="27189" t="4265" r="39347" b="2743"/>
+          <a:stretch/>
         </p:blipFill>
         <p:spPr>
           <a:xfrm>
-            <a:off x="0" y="3005666"/>
-            <a:ext cx="6858000" cy="3894667"/>
+            <a:off x="833922" y="1880725"/>
+            <a:ext cx="2294966" cy="3621741"/>
           </a:xfrm>
           <a:prstGeom prst="rect">
             <a:avLst/>
@@ -4879,16 +4874,15 @@
           </p:cNvPicPr>
           <p:nvPr/>
         </p:nvPicPr>
-        <p:blipFill>
+        <p:blipFill rotWithShape="1">
           <a:blip r:embed="rId9"/>
-          <a:stretch>
-            <a:fillRect/>
-          </a:stretch>
+          <a:srcRect l="24968" t="9489" r="32515" b="11003"/>
+          <a:stretch/>
         </p:blipFill>
         <p:spPr>
           <a:xfrm>
-            <a:off x="0" y="3005666"/>
-            <a:ext cx="6858000" cy="3894667"/>
+            <a:off x="-721739" y="1656594"/>
+            <a:ext cx="2915875" cy="3096547"/>
           </a:xfrm>
           <a:prstGeom prst="rect">
             <a:avLst/>
@@ -4909,16 +4903,15 @@
           </p:cNvPicPr>
           <p:nvPr/>
         </p:nvPicPr>
-        <p:blipFill>
+        <p:blipFill rotWithShape="1">
           <a:blip r:embed="rId10"/>
-          <a:stretch>
-            <a:fillRect/>
-          </a:stretch>
+          <a:srcRect l="25545" t="15523" r="32101" b="63369"/>
+          <a:stretch/>
         </p:blipFill>
         <p:spPr>
           <a:xfrm>
-            <a:off x="0" y="3005666"/>
-            <a:ext cx="6858000" cy="3894667"/>
+            <a:off x="687710" y="2869509"/>
+            <a:ext cx="2904566" cy="822087"/>
           </a:xfrm>
           <a:prstGeom prst="rect">
             <a:avLst/>
@@ -4946,7 +4939,7 @@
         </p:blipFill>
         <p:spPr>
           <a:xfrm>
-            <a:off x="-3663705" y="4150975"/>
+            <a:off x="643207" y="3584383"/>
             <a:ext cx="3480620" cy="2231922"/>
           </a:xfrm>
           <a:prstGeom prst="rect">
@@ -4975,7 +4968,7 @@
         </p:blipFill>
         <p:spPr>
           <a:xfrm>
-            <a:off x="-2901111" y="4798142"/>
+            <a:off x="532063" y="3427565"/>
             <a:ext cx="2286510" cy="2782529"/>
           </a:xfrm>
           <a:prstGeom prst="rect">
@@ -5004,7 +4997,7 @@
         </p:blipFill>
         <p:spPr>
           <a:xfrm>
-            <a:off x="-4997672" y="5604642"/>
+            <a:off x="1081557" y="2347627"/>
             <a:ext cx="3074277" cy="2159876"/>
           </a:xfrm>
           <a:prstGeom prst="rect">
@@ -5033,8 +5026,37 @@
         </p:blipFill>
         <p:spPr>
           <a:xfrm>
-            <a:off x="-4508938" y="5473554"/>
+            <a:off x="1625686" y="2379072"/>
             <a:ext cx="2916621" cy="2853558"/>
+          </a:xfrm>
+          <a:prstGeom prst="rect">
+            <a:avLst/>
+          </a:prstGeom>
+        </p:spPr>
+      </p:pic>
+      <p:pic>
+        <p:nvPicPr>
+          <p:cNvPr id="2" name="Picture 1">
+            <a:extLst>
+              <a:ext uri="{FF2B5EF4-FFF2-40B4-BE49-F238E27FC236}">
+                <a16:creationId xmlns:a16="http://schemas.microsoft.com/office/drawing/2014/main" id="{C13CF169-2BF8-4BD9-4698-4F986652E0F6}"/>
+              </a:ext>
+            </a:extLst>
+          </p:cNvPr>
+          <p:cNvPicPr>
+            <a:picLocks noChangeAspect="1"/>
+          </p:cNvPicPr>
+          <p:nvPr/>
+        </p:nvPicPr>
+        <p:blipFill rotWithShape="1">
+          <a:blip r:embed="rId5"/>
+          <a:srcRect l="81379" t="5167" b="47399"/>
+          <a:stretch/>
+        </p:blipFill>
+        <p:spPr>
+          <a:xfrm>
+            <a:off x="-2255298" y="2311463"/>
+            <a:ext cx="1277007" cy="3096547"/>
           </a:xfrm>
           <a:prstGeom prst="rect">
             <a:avLst/>
@@ -5045,6 +5067,211 @@
     <p:extLst>
       <p:ext uri="{BB962C8B-B14F-4D97-AF65-F5344CB8AC3E}">
         <p14:creationId xmlns:p14="http://schemas.microsoft.com/office/powerpoint/2010/main" val="1641247772"/>
+      </p:ext>
+    </p:extLst>
+  </p:cSld>
+  <p:clrMapOvr>
+    <a:masterClrMapping/>
+  </p:clrMapOvr>
+</p:sld>
+</file>
+
+<file path=ppt/slides/slide5.xml><?xml version="1.0" encoding="utf-8"?>
+<p:sld xmlns:a="http://schemas.openxmlformats.org/drawingml/2006/main" xmlns:r="http://schemas.openxmlformats.org/officeDocument/2006/relationships" xmlns:p="http://schemas.openxmlformats.org/presentationml/2006/main">
+  <p:cSld>
+    <p:spTree>
+      <p:nvGrpSpPr>
+        <p:cNvPr id="1" name=""/>
+        <p:cNvGrpSpPr/>
+        <p:nvPr/>
+      </p:nvGrpSpPr>
+      <p:grpSpPr>
+        <a:xfrm>
+          <a:off x="0" y="0"/>
+          <a:ext cx="0" cy="0"/>
+          <a:chOff x="0" y="0"/>
+          <a:chExt cx="0" cy="0"/>
+        </a:xfrm>
+      </p:grpSpPr>
+      <p:pic>
+        <p:nvPicPr>
+          <p:cNvPr id="2" name="Picture 1">
+            <a:extLst>
+              <a:ext uri="{FF2B5EF4-FFF2-40B4-BE49-F238E27FC236}">
+                <a16:creationId xmlns:a16="http://schemas.microsoft.com/office/drawing/2014/main" id="{1E2EE75E-A355-2DFD-440A-AC8912386C78}"/>
+              </a:ext>
+            </a:extLst>
+          </p:cNvPr>
+          <p:cNvPicPr>
+            <a:picLocks noChangeAspect="1"/>
+          </p:cNvPicPr>
+          <p:nvPr/>
+        </p:nvPicPr>
+        <p:blipFill rotWithShape="1">
+          <a:blip r:embed="rId2"/>
+          <a:srcRect l="81379" t="5167" b="62023"/>
+          <a:stretch/>
+        </p:blipFill>
+        <p:spPr>
+          <a:xfrm>
+            <a:off x="855455" y="1379134"/>
+            <a:ext cx="1277007" cy="2141832"/>
+          </a:xfrm>
+          <a:prstGeom prst="rect">
+            <a:avLst/>
+          </a:prstGeom>
+        </p:spPr>
+      </p:pic>
+      <p:pic>
+        <p:nvPicPr>
+          <p:cNvPr id="3" name="Picture 2">
+            <a:extLst>
+              <a:ext uri="{FF2B5EF4-FFF2-40B4-BE49-F238E27FC236}">
+                <a16:creationId xmlns:a16="http://schemas.microsoft.com/office/drawing/2014/main" id="{3C164B9B-7281-7BC5-3676-86EFBB5DEC72}"/>
+              </a:ext>
+            </a:extLst>
+          </p:cNvPr>
+          <p:cNvPicPr>
+            <a:picLocks noChangeAspect="1"/>
+          </p:cNvPicPr>
+          <p:nvPr/>
+        </p:nvPicPr>
+        <p:blipFill rotWithShape="1">
+          <a:blip r:embed="rId2"/>
+          <a:srcRect l="81380" t="37655" r="-1" b="29537"/>
+          <a:stretch/>
+        </p:blipFill>
+        <p:spPr>
+          <a:xfrm>
+            <a:off x="2151993" y="1379134"/>
+            <a:ext cx="1277007" cy="2141832"/>
+          </a:xfrm>
+          <a:prstGeom prst="rect">
+            <a:avLst/>
+          </a:prstGeom>
+        </p:spPr>
+      </p:pic>
+      <p:pic>
+        <p:nvPicPr>
+          <p:cNvPr id="4" name="Picture 3">
+            <a:extLst>
+              <a:ext uri="{FF2B5EF4-FFF2-40B4-BE49-F238E27FC236}">
+                <a16:creationId xmlns:a16="http://schemas.microsoft.com/office/drawing/2014/main" id="{05FF3BB1-3811-FE26-4CB9-58BC9ED7533C}"/>
+              </a:ext>
+            </a:extLst>
+          </p:cNvPr>
+          <p:cNvPicPr>
+            <a:picLocks noChangeAspect="1"/>
+          </p:cNvPicPr>
+          <p:nvPr/>
+        </p:nvPicPr>
+        <p:blipFill rotWithShape="1">
+          <a:blip r:embed="rId2"/>
+          <a:srcRect l="83678" t="70116" r="-2299" b="-258"/>
+          <a:stretch/>
+        </p:blipFill>
+        <p:spPr>
+          <a:xfrm>
+            <a:off x="3448531" y="1379134"/>
+            <a:ext cx="1277007" cy="1967725"/>
+          </a:xfrm>
+          <a:prstGeom prst="rect">
+            <a:avLst/>
+          </a:prstGeom>
+        </p:spPr>
+      </p:pic>
+    </p:spTree>
+    <p:extLst>
+      <p:ext uri="{BB962C8B-B14F-4D97-AF65-F5344CB8AC3E}">
+        <p14:creationId xmlns:p14="http://schemas.microsoft.com/office/powerpoint/2010/main" val="2243893815"/>
+      </p:ext>
+    </p:extLst>
+  </p:cSld>
+  <p:clrMapOvr>
+    <a:masterClrMapping/>
+  </p:clrMapOvr>
+</p:sld>
+</file>
+
+<file path=ppt/slides/slide6.xml><?xml version="1.0" encoding="utf-8"?>
+<p:sld xmlns:a="http://schemas.openxmlformats.org/drawingml/2006/main" xmlns:r="http://schemas.openxmlformats.org/officeDocument/2006/relationships" xmlns:p="http://schemas.openxmlformats.org/presentationml/2006/main">
+  <p:cSld>
+    <p:spTree>
+      <p:nvGrpSpPr>
+        <p:cNvPr id="1" name=""/>
+        <p:cNvGrpSpPr/>
+        <p:nvPr/>
+      </p:nvGrpSpPr>
+      <p:grpSpPr>
+        <a:xfrm>
+          <a:off x="0" y="0"/>
+          <a:ext cx="0" cy="0"/>
+          <a:chOff x="0" y="0"/>
+          <a:chExt cx="0" cy="0"/>
+        </a:xfrm>
+      </p:grpSpPr>
+      <p:pic>
+        <p:nvPicPr>
+          <p:cNvPr id="3" name="Picture 2">
+            <a:extLst>
+              <a:ext uri="{FF2B5EF4-FFF2-40B4-BE49-F238E27FC236}">
+                <a16:creationId xmlns:a16="http://schemas.microsoft.com/office/drawing/2014/main" id="{898D4A44-2503-CD4C-DDC8-12A627CF1E76}"/>
+              </a:ext>
+            </a:extLst>
+          </p:cNvPr>
+          <p:cNvPicPr>
+            <a:picLocks noChangeAspect="1"/>
+          </p:cNvPicPr>
+          <p:nvPr/>
+        </p:nvPicPr>
+        <p:blipFill rotWithShape="1">
+          <a:blip r:embed="rId2"/>
+          <a:srcRect l="12500" t="44803" r="86146" b="38689"/>
+          <a:stretch/>
+        </p:blipFill>
+        <p:spPr>
+          <a:xfrm>
+            <a:off x="857250" y="4750594"/>
+            <a:ext cx="92869" cy="642937"/>
+          </a:xfrm>
+          <a:prstGeom prst="rect">
+            <a:avLst/>
+          </a:prstGeom>
+        </p:spPr>
+      </p:pic>
+      <p:pic>
+        <p:nvPicPr>
+          <p:cNvPr id="4" name="Picture 3">
+            <a:extLst>
+              <a:ext uri="{FF2B5EF4-FFF2-40B4-BE49-F238E27FC236}">
+                <a16:creationId xmlns:a16="http://schemas.microsoft.com/office/drawing/2014/main" id="{DA6A2F70-5D9A-D0E0-46F9-15CE834DEA91}"/>
+              </a:ext>
+            </a:extLst>
+          </p:cNvPr>
+          <p:cNvPicPr>
+            <a:picLocks noChangeAspect="1"/>
+          </p:cNvPicPr>
+          <p:nvPr/>
+        </p:nvPicPr>
+        <p:blipFill rotWithShape="1">
+          <a:blip r:embed="rId3"/>
+          <a:srcRect l="37882" t="36182" r="33264" b="29702"/>
+          <a:stretch/>
+        </p:blipFill>
+        <p:spPr>
+          <a:xfrm>
+            <a:off x="950119" y="4417471"/>
+            <a:ext cx="1978819" cy="1328737"/>
+          </a:xfrm>
+          <a:prstGeom prst="rect">
+            <a:avLst/>
+          </a:prstGeom>
+        </p:spPr>
+      </p:pic>
+    </p:spTree>
+    <p:extLst>
+      <p:ext uri="{BB962C8B-B14F-4D97-AF65-F5344CB8AC3E}">
+        <p14:creationId xmlns:p14="http://schemas.microsoft.com/office/powerpoint/2010/main" val="418598434"/>
       </p:ext>
     </p:extLst>
   </p:cSld>
